--- a/2nd week 1.pptx
+++ b/2nd week 1.pptx
@@ -3489,7 +3489,7 @@
           <a:p>
             <a:fld id="{F4D17925-1D2E-4024-850D-D1371936956D}" type="datetimeFigureOut">
               <a:rPr lang="ko-KR" altLang="en-US" smtClean="0"/>
-              <a:t>2018-04-26</a:t>
+              <a:t>2018-05-23</a:t>
             </a:fld>
             <a:endParaRPr lang="ko-KR" altLang="en-US"/>
           </a:p>
@@ -3666,7 +3666,7 @@
           <a:p>
             <a:fld id="{3389243F-B1BB-4202-BD78-416ACA555174}" type="datetimeFigureOut">
               <a:rPr lang="en-US" smtClean="0"/>
-              <a:t>4/26/2018</a:t>
+              <a:t>5/23/2018</a:t>
             </a:fld>
             <a:endParaRPr lang="en-US"/>
           </a:p>
